--- a/容器.pptx
+++ b/容器.pptx
@@ -22,8 +22,8 @@
     <p:sldId id="266" r:id="rId13"/>
     <p:sldId id="267" r:id="rId14"/>
     <p:sldId id="268" r:id="rId15"/>
-    <p:sldId id="269" r:id="rId16"/>
-    <p:sldId id="270" r:id="rId17"/>
+    <p:sldId id="272" r:id="rId16"/>
+    <p:sldId id="269" r:id="rId17"/>
     <p:sldId id="271" r:id="rId18"/>
   </p:sldIdLst>
   <p:sldSz cx="9144000" cy="5143500" type="screen16x9"/>
@@ -257,6 +257,11 @@
       </a:defRPr>
     </a:lvl9pPr>
   </p:defaultTextStyle>
+  <p:extLst>
+    <p:ext uri="{EFAFB233-063F-42B5-8137-9DF3F51BA10A}">
+      <p15:sldGuideLst xmlns:p15="http://schemas.microsoft.com/office/powerpoint/2012/main"/>
+    </p:ext>
+  </p:extLst>
 </p:presentation>
 </file>
 
@@ -1150,7 +1155,7 @@
         </p:nvSpPr>
         <p:spPr>
           <a:xfrm>
-            <a:off x="381300" y="685800"/>
+            <a:off x="381000" y="685800"/>
             <a:ext cx="6096000" cy="3429000"/>
           </a:xfrm>
           <a:custGeom>
@@ -1230,6 +1235,115 @@
   <p:cSld>
     <p:spTree>
       <p:nvGrpSpPr>
+        <p:cNvPr id="1" name="Shape 203"/>
+        <p:cNvGrpSpPr/>
+        <p:nvPr/>
+      </p:nvGrpSpPr>
+      <p:grpSpPr>
+        <a:xfrm>
+          <a:off x="0" y="0"/>
+          <a:ext cx="0" cy="0"/>
+          <a:chOff x="0" y="0"/>
+          <a:chExt cx="0" cy="0"/>
+        </a:xfrm>
+      </p:grpSpPr>
+      <p:sp>
+        <p:nvSpPr>
+          <p:cNvPr id="204" name="Google Shape;204;g9b05551ed9_0_39:notes"/>
+          <p:cNvSpPr>
+            <a:spLocks noGrp="1" noRot="1" noChangeAspect="1"/>
+          </p:cNvSpPr>
+          <p:nvPr>
+            <p:ph type="sldImg" idx="2"/>
+          </p:nvPr>
+        </p:nvSpPr>
+        <p:spPr>
+          <a:xfrm>
+            <a:off x="381000" y="685800"/>
+            <a:ext cx="6096000" cy="3429000"/>
+          </a:xfrm>
+          <a:custGeom>
+            <a:avLst/>
+            <a:gdLst/>
+            <a:ahLst/>
+            <a:cxnLst/>
+            <a:rect l="l" t="t" r="r" b="b"/>
+            <a:pathLst>
+              <a:path w="120000" h="120000" extrusionOk="0">
+                <a:moveTo>
+                  <a:pt x="0" y="0"/>
+                </a:moveTo>
+                <a:lnTo>
+                  <a:pt x="120000" y="0"/>
+                </a:lnTo>
+                <a:lnTo>
+                  <a:pt x="120000" y="120000"/>
+                </a:lnTo>
+                <a:lnTo>
+                  <a:pt x="0" y="120000"/>
+                </a:lnTo>
+                <a:close/>
+              </a:path>
+            </a:pathLst>
+          </a:custGeom>
+        </p:spPr>
+      </p:sp>
+      <p:sp>
+        <p:nvSpPr>
+          <p:cNvPr id="205" name="Google Shape;205;g9b05551ed9_0_39:notes"/>
+          <p:cNvSpPr txBox="1">
+            <a:spLocks noGrp="1"/>
+          </p:cNvSpPr>
+          <p:nvPr>
+            <p:ph type="body" idx="1"/>
+          </p:nvPr>
+        </p:nvSpPr>
+        <p:spPr>
+          <a:xfrm>
+            <a:off x="685800" y="4343400"/>
+            <a:ext cx="5486400" cy="4114800"/>
+          </a:xfrm>
+          <a:prstGeom prst="rect">
+            <a:avLst/>
+          </a:prstGeom>
+        </p:spPr>
+        <p:txBody>
+          <a:bodyPr spcFirstLastPara="1" wrap="square" lIns="91425" tIns="91425" rIns="91425" bIns="91425" anchor="t" anchorCtr="0">
+            <a:noAutofit/>
+          </a:bodyPr>
+          <a:lstStyle/>
+          <a:p>
+            <a:pPr marL="0" lvl="0" indent="0" algn="l" rtl="0">
+              <a:spcBef>
+                <a:spcPts val="0"/>
+              </a:spcBef>
+              <a:spcAft>
+                <a:spcPts val="0"/>
+              </a:spcAft>
+              <a:buNone/>
+            </a:pPr>
+            <a:endParaRPr/>
+          </a:p>
+        </p:txBody>
+      </p:sp>
+    </p:spTree>
+    <p:extLst>
+      <p:ext uri="{BB962C8B-B14F-4D97-AF65-F5344CB8AC3E}">
+        <p14:creationId xmlns:p14="http://schemas.microsoft.com/office/powerpoint/2010/main" val="1309481050"/>
+      </p:ext>
+    </p:extLst>
+  </p:cSld>
+  <p:clrMapOvr>
+    <a:masterClrMapping/>
+  </p:clrMapOvr>
+</p:notes>
+</file>
+
+<file path=ppt/notesSlides/notesSlide15.xml><?xml version="1.0" encoding="utf-8"?>
+<p:notes xmlns:a="http://schemas.openxmlformats.org/drawingml/2006/main" xmlns:r="http://schemas.openxmlformats.org/officeDocument/2006/relationships" xmlns:p="http://schemas.openxmlformats.org/presentationml/2006/main" showMasterSp="0" showMasterPhAnim="0">
+  <p:cSld>
+    <p:spTree>
+      <p:nvGrpSpPr>
         <p:cNvPr id="1" name="Shape 213"/>
         <p:cNvGrpSpPr/>
         <p:nvPr/>
@@ -1254,7 +1368,7 @@
         </p:nvSpPr>
         <p:spPr>
           <a:xfrm>
-            <a:off x="381300" y="685800"/>
+            <a:off x="381000" y="685800"/>
             <a:ext cx="6096000" cy="3429000"/>
           </a:xfrm>
           <a:custGeom>
@@ -1286,110 +1400,6 @@
       <p:sp>
         <p:nvSpPr>
           <p:cNvPr id="215" name="Google Shape;215;g9b05552760_0_41:notes"/>
-          <p:cNvSpPr txBox="1">
-            <a:spLocks noGrp="1"/>
-          </p:cNvSpPr>
-          <p:nvPr>
-            <p:ph type="body" idx="1"/>
-          </p:nvPr>
-        </p:nvSpPr>
-        <p:spPr>
-          <a:xfrm>
-            <a:off x="685800" y="4343400"/>
-            <a:ext cx="5486400" cy="4114800"/>
-          </a:xfrm>
-          <a:prstGeom prst="rect">
-            <a:avLst/>
-          </a:prstGeom>
-        </p:spPr>
-        <p:txBody>
-          <a:bodyPr spcFirstLastPara="1" wrap="square" lIns="91425" tIns="91425" rIns="91425" bIns="91425" anchor="t" anchorCtr="0">
-            <a:noAutofit/>
-          </a:bodyPr>
-          <a:lstStyle/>
-          <a:p>
-            <a:pPr marL="0" lvl="0" indent="0" algn="l" rtl="0">
-              <a:spcBef>
-                <a:spcPts val="0"/>
-              </a:spcBef>
-              <a:spcAft>
-                <a:spcPts val="0"/>
-              </a:spcAft>
-              <a:buNone/>
-            </a:pPr>
-            <a:endParaRPr/>
-          </a:p>
-        </p:txBody>
-      </p:sp>
-    </p:spTree>
-  </p:cSld>
-  <p:clrMapOvr>
-    <a:masterClrMapping/>
-  </p:clrMapOvr>
-</p:notes>
-</file>
-
-<file path=ppt/notesSlides/notesSlide15.xml><?xml version="1.0" encoding="utf-8"?>
-<p:notes xmlns:a="http://schemas.openxmlformats.org/drawingml/2006/main" xmlns:r="http://schemas.openxmlformats.org/officeDocument/2006/relationships" xmlns:p="http://schemas.openxmlformats.org/presentationml/2006/main" showMasterSp="0" showMasterPhAnim="0">
-  <p:cSld>
-    <p:spTree>
-      <p:nvGrpSpPr>
-        <p:cNvPr id="1" name="Shape 221"/>
-        <p:cNvGrpSpPr/>
-        <p:nvPr/>
-      </p:nvGrpSpPr>
-      <p:grpSpPr>
-        <a:xfrm>
-          <a:off x="0" y="0"/>
-          <a:ext cx="0" cy="0"/>
-          <a:chOff x="0" y="0"/>
-          <a:chExt cx="0" cy="0"/>
-        </a:xfrm>
-      </p:grpSpPr>
-      <p:sp>
-        <p:nvSpPr>
-          <p:cNvPr id="222" name="Google Shape;222;g9b05551ed9_0_64:notes"/>
-          <p:cNvSpPr>
-            <a:spLocks noGrp="1" noRot="1" noChangeAspect="1"/>
-          </p:cNvSpPr>
-          <p:nvPr>
-            <p:ph type="sldImg" idx="2"/>
-          </p:nvPr>
-        </p:nvSpPr>
-        <p:spPr>
-          <a:xfrm>
-            <a:off x="381300" y="685800"/>
-            <a:ext cx="6096000" cy="3429000"/>
-          </a:xfrm>
-          <a:custGeom>
-            <a:avLst/>
-            <a:gdLst/>
-            <a:ahLst/>
-            <a:cxnLst/>
-            <a:rect l="l" t="t" r="r" b="b"/>
-            <a:pathLst>
-              <a:path w="120000" h="120000" extrusionOk="0">
-                <a:moveTo>
-                  <a:pt x="0" y="0"/>
-                </a:moveTo>
-                <a:lnTo>
-                  <a:pt x="120000" y="0"/>
-                </a:lnTo>
-                <a:lnTo>
-                  <a:pt x="120000" y="120000"/>
-                </a:lnTo>
-                <a:lnTo>
-                  <a:pt x="0" y="120000"/>
-                </a:lnTo>
-                <a:close/>
-              </a:path>
-            </a:pathLst>
-          </a:custGeom>
-        </p:spPr>
-      </p:sp>
-      <p:sp>
-        <p:nvSpPr>
-          <p:cNvPr id="223" name="Google Shape;223;g9b05551ed9_0_64:notes"/>
           <p:cNvSpPr txBox="1">
             <a:spLocks noGrp="1"/>
           </p:cNvSpPr>
@@ -16547,7 +16557,7 @@
         </p:nvSpPr>
         <p:spPr>
           <a:xfrm>
-            <a:off x="4384400" y="1113900"/>
+            <a:off x="4432825" y="893182"/>
             <a:ext cx="4402500" cy="3564900"/>
           </a:xfrm>
           <a:prstGeom prst="rect">
@@ -16573,10 +16583,10 @@
               <a:buNone/>
             </a:pPr>
             <a:r>
-              <a:rPr lang="zh-TW" sz="2200" b="1"/>
+              <a:rPr lang="zh-TW" sz="2200" b="1" dirty="0"/>
               <a:t>Git 是一種分散式的版本控管系統</a:t>
             </a:r>
-            <a:endParaRPr sz="2200" b="1"/>
+            <a:endParaRPr sz="2200" b="1" dirty="0"/>
           </a:p>
         </p:txBody>
       </p:sp>
@@ -16768,7 +16778,7 @@
         </p:blipFill>
         <p:spPr>
           <a:xfrm>
-            <a:off x="4810038" y="1495413"/>
+            <a:off x="4810037" y="1072312"/>
             <a:ext cx="3648075" cy="3648075"/>
           </a:xfrm>
           <a:prstGeom prst="rect">
@@ -16796,7 +16806,7 @@
         </p:blipFill>
         <p:spPr>
           <a:xfrm>
-            <a:off x="508975" y="1632150"/>
+            <a:off x="683571" y="1675806"/>
             <a:ext cx="3476700" cy="2441088"/>
           </a:xfrm>
           <a:prstGeom prst="rect">
@@ -16817,6 +16827,382 @@
 </file>
 
 <file path=ppt/slides/slide14.xml><?xml version="1.0" encoding="utf-8"?>
+<p:sld xmlns:a="http://schemas.openxmlformats.org/drawingml/2006/main" xmlns:r="http://schemas.openxmlformats.org/officeDocument/2006/relationships" xmlns:p="http://schemas.openxmlformats.org/presentationml/2006/main">
+  <p:cSld>
+    <p:spTree>
+      <p:nvGrpSpPr>
+        <p:cNvPr id="1" name="Shape 206"/>
+        <p:cNvGrpSpPr/>
+        <p:nvPr/>
+      </p:nvGrpSpPr>
+      <p:grpSpPr>
+        <a:xfrm>
+          <a:off x="0" y="0"/>
+          <a:ext cx="0" cy="0"/>
+          <a:chOff x="0" y="0"/>
+          <a:chExt cx="0" cy="0"/>
+        </a:xfrm>
+      </p:grpSpPr>
+      <p:sp>
+        <p:nvSpPr>
+          <p:cNvPr id="207" name="Google Shape;207;p31"/>
+          <p:cNvSpPr txBox="1">
+            <a:spLocks noGrp="1"/>
+          </p:cNvSpPr>
+          <p:nvPr>
+            <p:ph type="body" idx="1"/>
+          </p:nvPr>
+        </p:nvSpPr>
+        <p:spPr>
+          <a:xfrm>
+            <a:off x="5312987" y="438475"/>
+            <a:ext cx="3055189" cy="668378"/>
+          </a:xfrm>
+          <a:prstGeom prst="rect">
+            <a:avLst/>
+          </a:prstGeom>
+        </p:spPr>
+        <p:txBody>
+          <a:bodyPr spcFirstLastPara="1" wrap="square" lIns="91425" tIns="91425" rIns="91425" bIns="91425" anchor="t" anchorCtr="0">
+            <a:noAutofit/>
+          </a:bodyPr>
+          <a:lstStyle/>
+          <a:p>
+            <a:pPr marL="0" lvl="0" indent="0" algn="l" rtl="0">
+              <a:lnSpc>
+                <a:spcPct val="150000"/>
+              </a:lnSpc>
+              <a:spcBef>
+                <a:spcPts val="0"/>
+              </a:spcBef>
+              <a:spcAft>
+                <a:spcPts val="0"/>
+              </a:spcAft>
+              <a:buNone/>
+            </a:pPr>
+            <a:r>
+              <a:rPr lang="zh-TW" altLang="en-US" sz="2200" b="1" dirty="0" smtClean="0"/>
+              <a:t>分</a:t>
+            </a:r>
+            <a:r>
+              <a:rPr lang="zh-TW" altLang="en-US" sz="2200" b="1" dirty="0"/>
+              <a:t>散</a:t>
+            </a:r>
+            <a:r>
+              <a:rPr lang="zh-TW" altLang="en-US" sz="2200" b="1" dirty="0" smtClean="0"/>
+              <a:t>式</a:t>
+            </a:r>
+            <a:r>
+              <a:rPr lang="zh-TW" sz="2200" b="1" dirty="0" smtClean="0"/>
+              <a:t>的</a:t>
+            </a:r>
+            <a:r>
+              <a:rPr lang="zh-TW" sz="2200" b="1" dirty="0"/>
+              <a:t>版本控管系統</a:t>
+            </a:r>
+            <a:endParaRPr sz="2200" b="1" dirty="0"/>
+          </a:p>
+        </p:txBody>
+      </p:sp>
+      <p:sp>
+        <p:nvSpPr>
+          <p:cNvPr id="208" name="Google Shape;208;p31"/>
+          <p:cNvSpPr txBox="1">
+            <a:spLocks noGrp="1"/>
+          </p:cNvSpPr>
+          <p:nvPr>
+            <p:ph type="body" idx="2"/>
+          </p:nvPr>
+        </p:nvSpPr>
+        <p:spPr>
+          <a:xfrm>
+            <a:off x="1475650" y="151275"/>
+            <a:ext cx="3981300" cy="421200"/>
+          </a:xfrm>
+          <a:prstGeom prst="rect">
+            <a:avLst/>
+          </a:prstGeom>
+        </p:spPr>
+        <p:txBody>
+          <a:bodyPr spcFirstLastPara="1" wrap="square" lIns="91425" tIns="91425" rIns="91425" bIns="91425" anchor="ctr" anchorCtr="0">
+            <a:noAutofit/>
+          </a:bodyPr>
+          <a:lstStyle/>
+          <a:p>
+            <a:pPr marL="0" lvl="0" indent="0" algn="l" rtl="0">
+              <a:spcBef>
+                <a:spcPts val="480"/>
+              </a:spcBef>
+              <a:spcAft>
+                <a:spcPts val="0"/>
+              </a:spcAft>
+              <a:buNone/>
+            </a:pPr>
+            <a:r>
+              <a:rPr lang="zh-TW"/>
+              <a:t>Git 版本管理控制</a:t>
+            </a:r>
+            <a:endParaRPr/>
+          </a:p>
+        </p:txBody>
+      </p:sp>
+      <p:sp>
+        <p:nvSpPr>
+          <p:cNvPr id="209" name="Google Shape;209;p31"/>
+          <p:cNvSpPr txBox="1">
+            <a:spLocks noGrp="1"/>
+          </p:cNvSpPr>
+          <p:nvPr>
+            <p:ph type="body" idx="4294967295"/>
+          </p:nvPr>
+        </p:nvSpPr>
+        <p:spPr>
+          <a:xfrm>
+            <a:off x="683571" y="195475"/>
+            <a:ext cx="558000" cy="486000"/>
+          </a:xfrm>
+          <a:prstGeom prst="rect">
+            <a:avLst/>
+          </a:prstGeom>
+          <a:blipFill rotWithShape="1">
+            <a:blip r:embed="rId3">
+              <a:alphaModFix/>
+            </a:blip>
+            <a:stretch>
+              <a:fillRect/>
+            </a:stretch>
+          </a:blipFill>
+          <a:ln>
+            <a:noFill/>
+          </a:ln>
+        </p:spPr>
+        <p:txBody>
+          <a:bodyPr spcFirstLastPara="1" wrap="square" lIns="0" tIns="0" rIns="0" bIns="0" anchor="ctr" anchorCtr="0">
+            <a:noAutofit/>
+          </a:bodyPr>
+          <a:lstStyle/>
+          <a:p>
+            <a:pPr marL="0" marR="0" lvl="0" indent="0" algn="ctr" rtl="0">
+              <a:spcBef>
+                <a:spcPts val="0"/>
+              </a:spcBef>
+              <a:spcAft>
+                <a:spcPts val="0"/>
+              </a:spcAft>
+              <a:buClr>
+                <a:srgbClr val="BFCC00"/>
+              </a:buClr>
+              <a:buSzPts val="2800"/>
+              <a:buFont typeface="Arial"/>
+              <a:buNone/>
+            </a:pPr>
+            <a:r>
+              <a:rPr lang="zh-TW" sz="2800" b="0" i="0" u="none" strike="noStrike" cap="none">
+                <a:solidFill>
+                  <a:srgbClr val="BFCC00"/>
+                </a:solidFill>
+                <a:latin typeface="Calibri"/>
+                <a:ea typeface="Calibri"/>
+                <a:cs typeface="Calibri"/>
+                <a:sym typeface="Calibri"/>
+              </a:rPr>
+              <a:t>0</a:t>
+            </a:r>
+            <a:r>
+              <a:rPr lang="zh-TW" sz="2800">
+                <a:solidFill>
+                  <a:srgbClr val="BFCC00"/>
+                </a:solidFill>
+              </a:rPr>
+              <a:t>4</a:t>
+            </a:r>
+            <a:endParaRPr sz="2800" b="0" i="0" u="none" strike="noStrike" cap="none">
+              <a:solidFill>
+                <a:srgbClr val="BFCC00"/>
+              </a:solidFill>
+              <a:latin typeface="Calibri"/>
+              <a:ea typeface="Calibri"/>
+              <a:cs typeface="Calibri"/>
+              <a:sym typeface="Calibri"/>
+            </a:endParaRPr>
+          </a:p>
+        </p:txBody>
+      </p:sp>
+      <p:sp>
+        <p:nvSpPr>
+          <p:cNvPr id="210" name="Google Shape;210;p31"/>
+          <p:cNvSpPr/>
+          <p:nvPr/>
+        </p:nvSpPr>
+        <p:spPr>
+          <a:xfrm>
+            <a:off x="1501449" y="572477"/>
+            <a:ext cx="3476700" cy="34200"/>
+          </a:xfrm>
+          <a:prstGeom prst="rect">
+            <a:avLst/>
+          </a:prstGeom>
+          <a:solidFill>
+            <a:schemeClr val="lt1"/>
+          </a:solidFill>
+          <a:ln>
+            <a:noFill/>
+          </a:ln>
+        </p:spPr>
+        <p:txBody>
+          <a:bodyPr spcFirstLastPara="1" wrap="square" lIns="91425" tIns="45700" rIns="91425" bIns="45700" anchor="ctr" anchorCtr="0">
+            <a:noAutofit/>
+          </a:bodyPr>
+          <a:lstStyle/>
+          <a:p>
+            <a:pPr marL="0" marR="0" lvl="0" indent="0" algn="ctr" rtl="0">
+              <a:spcBef>
+                <a:spcPts val="0"/>
+              </a:spcBef>
+              <a:spcAft>
+                <a:spcPts val="0"/>
+              </a:spcAft>
+              <a:buNone/>
+            </a:pPr>
+            <a:endParaRPr sz="1800">
+              <a:solidFill>
+                <a:schemeClr val="dk1"/>
+              </a:solidFill>
+              <a:latin typeface="Calibri"/>
+              <a:ea typeface="Calibri"/>
+              <a:cs typeface="Calibri"/>
+              <a:sym typeface="Calibri"/>
+            </a:endParaRPr>
+          </a:p>
+        </p:txBody>
+      </p:sp>
+      <p:pic>
+        <p:nvPicPr>
+          <p:cNvPr id="2" name="圖片 1"/>
+          <p:cNvPicPr>
+            <a:picLocks noChangeAspect="1"/>
+          </p:cNvPicPr>
+          <p:nvPr/>
+        </p:nvPicPr>
+        <p:blipFill>
+          <a:blip r:embed="rId4">
+            <a:extLst>
+              <a:ext uri="{28A0092B-C50C-407E-A947-70E740481C1C}">
+                <a14:useLocalDpi xmlns:a14="http://schemas.microsoft.com/office/drawing/2010/main" val="0"/>
+              </a:ext>
+            </a:extLst>
+          </a:blip>
+          <a:stretch>
+            <a:fillRect/>
+          </a:stretch>
+        </p:blipFill>
+        <p:spPr>
+          <a:xfrm>
+            <a:off x="483875" y="1685689"/>
+            <a:ext cx="4058581" cy="2820714"/>
+          </a:xfrm>
+          <a:prstGeom prst="rect">
+            <a:avLst/>
+          </a:prstGeom>
+        </p:spPr>
+      </p:pic>
+      <p:pic>
+        <p:nvPicPr>
+          <p:cNvPr id="3" name="圖片 2"/>
+          <p:cNvPicPr>
+            <a:picLocks noChangeAspect="1"/>
+          </p:cNvPicPr>
+          <p:nvPr/>
+        </p:nvPicPr>
+        <p:blipFill>
+          <a:blip r:embed="rId5">
+            <a:extLst>
+              <a:ext uri="{28A0092B-C50C-407E-A947-70E740481C1C}">
+                <a14:useLocalDpi xmlns:a14="http://schemas.microsoft.com/office/drawing/2010/main" val="0"/>
+              </a:ext>
+            </a:extLst>
+          </a:blip>
+          <a:stretch>
+            <a:fillRect/>
+          </a:stretch>
+        </p:blipFill>
+        <p:spPr>
+          <a:xfrm>
+            <a:off x="5199318" y="1130460"/>
+            <a:ext cx="3282529" cy="3931172"/>
+          </a:xfrm>
+          <a:prstGeom prst="rect">
+            <a:avLst/>
+          </a:prstGeom>
+        </p:spPr>
+      </p:pic>
+      <p:sp>
+        <p:nvSpPr>
+          <p:cNvPr id="10" name="Google Shape;207;p31"/>
+          <p:cNvSpPr txBox="1">
+            <a:spLocks noGrp="1"/>
+          </p:cNvSpPr>
+          <p:nvPr>
+            <p:ph type="body" idx="1"/>
+          </p:nvPr>
+        </p:nvSpPr>
+        <p:spPr>
+          <a:xfrm>
+            <a:off x="1137970" y="1035269"/>
+            <a:ext cx="3055189" cy="668378"/>
+          </a:xfrm>
+          <a:prstGeom prst="rect">
+            <a:avLst/>
+          </a:prstGeom>
+        </p:spPr>
+        <p:txBody>
+          <a:bodyPr spcFirstLastPara="1" wrap="square" lIns="91425" tIns="91425" rIns="91425" bIns="91425" anchor="t" anchorCtr="0">
+            <a:noAutofit/>
+          </a:bodyPr>
+          <a:lstStyle/>
+          <a:p>
+            <a:pPr marL="0" lvl="0" indent="0" algn="l" rtl="0">
+              <a:lnSpc>
+                <a:spcPct val="150000"/>
+              </a:lnSpc>
+              <a:spcBef>
+                <a:spcPts val="0"/>
+              </a:spcBef>
+              <a:spcAft>
+                <a:spcPts val="0"/>
+              </a:spcAft>
+              <a:buNone/>
+            </a:pPr>
+            <a:r>
+              <a:rPr lang="zh-TW" altLang="en-US" sz="2200" b="1" dirty="0" smtClean="0"/>
+              <a:t>集中式</a:t>
+            </a:r>
+            <a:r>
+              <a:rPr lang="zh-TW" sz="2200" b="1" dirty="0" smtClean="0"/>
+              <a:t>的</a:t>
+            </a:r>
+            <a:r>
+              <a:rPr lang="zh-TW" sz="2200" b="1" dirty="0"/>
+              <a:t>版本控管系統</a:t>
+            </a:r>
+            <a:endParaRPr sz="2200" b="1" dirty="0"/>
+          </a:p>
+        </p:txBody>
+      </p:sp>
+    </p:spTree>
+    <p:extLst>
+      <p:ext uri="{BB962C8B-B14F-4D97-AF65-F5344CB8AC3E}">
+        <p14:creationId xmlns:p14="http://schemas.microsoft.com/office/powerpoint/2010/main" val="1612292764"/>
+      </p:ext>
+    </p:extLst>
+  </p:cSld>
+  <p:clrMapOvr>
+    <a:masterClrMapping/>
+  </p:clrMapOvr>
+</p:sld>
+</file>
+
+<file path=ppt/slides/slide15.xml><?xml version="1.0" encoding="utf-8"?>
 <p:sld xmlns:a="http://schemas.openxmlformats.org/drawingml/2006/main" xmlns:r="http://schemas.openxmlformats.org/officeDocument/2006/relationships" xmlns:p="http://schemas.openxmlformats.org/presentationml/2006/main">
   <p:cSld>
     <p:spTree>
@@ -16871,10 +17257,66 @@
               <a:buNone/>
             </a:pPr>
             <a:r>
-              <a:rPr lang="zh-TW" sz="2200" b="1"/>
-              <a:t>git的特點：</a:t>
+              <a:rPr lang="zh-TW" sz="2200" b="1" dirty="0"/>
+              <a:t>git的特點</a:t>
             </a:r>
-            <a:endParaRPr sz="2200" b="1"/>
+            <a:r>
+              <a:rPr lang="zh-TW" sz="2200" b="1" dirty="0" smtClean="0"/>
+              <a:t>：</a:t>
+            </a:r>
+            <a:endParaRPr lang="en-US" altLang="zh-TW" sz="2200" b="1" dirty="0" smtClean="0"/>
+          </a:p>
+          <a:p>
+            <a:pPr marL="285750" indent="-285750">
+              <a:lnSpc>
+                <a:spcPct val="200000"/>
+              </a:lnSpc>
+              <a:buFont typeface="Arial" panose="020B0604020202020204" pitchFamily="34" charset="0"/>
+              <a:buChar char="•"/>
+            </a:pPr>
+            <a:r>
+              <a:rPr lang="zh-TW" altLang="en-US" b="1" dirty="0"/>
+              <a:t>快速</a:t>
+            </a:r>
+          </a:p>
+          <a:p>
+            <a:pPr marL="285750" indent="-285750">
+              <a:lnSpc>
+                <a:spcPct val="200000"/>
+              </a:lnSpc>
+              <a:buFont typeface="Arial" panose="020B0604020202020204" pitchFamily="34" charset="0"/>
+              <a:buChar char="•"/>
+            </a:pPr>
+            <a:r>
+              <a:rPr lang="zh-TW" altLang="en-US" b="1" dirty="0"/>
+              <a:t>簡潔的設計</a:t>
+            </a:r>
+          </a:p>
+          <a:p>
+            <a:pPr marL="285750" indent="-285750">
+              <a:lnSpc>
+                <a:spcPct val="200000"/>
+              </a:lnSpc>
+              <a:buFont typeface="Arial" panose="020B0604020202020204" pitchFamily="34" charset="0"/>
+              <a:buChar char="•"/>
+            </a:pPr>
+            <a:r>
+              <a:rPr lang="zh-TW" altLang="en-US" b="1" dirty="0"/>
+              <a:t>完全的分散式系統</a:t>
+            </a:r>
+          </a:p>
+          <a:p>
+            <a:pPr marL="285750" indent="-285750">
+              <a:lnSpc>
+                <a:spcPct val="200000"/>
+              </a:lnSpc>
+              <a:buFont typeface="Arial" panose="020B0604020202020204" pitchFamily="34" charset="0"/>
+              <a:buChar char="•"/>
+            </a:pPr>
+            <a:r>
+              <a:rPr lang="zh-TW" altLang="en-US" b="1" dirty="0"/>
+              <a:t>有效率的處理大型專案</a:t>
+            </a:r>
           </a:p>
           <a:p>
             <a:pPr marL="0" lvl="0" indent="0" algn="l" rtl="0">
@@ -16889,7 +17331,22 @@
               </a:spcAft>
               <a:buNone/>
             </a:pPr>
-            <a:endParaRPr sz="2200" b="1"/>
+            <a:endParaRPr sz="2200" b="1" dirty="0"/>
+          </a:p>
+          <a:p>
+            <a:pPr marL="0" lvl="0" indent="0" algn="l" rtl="0">
+              <a:lnSpc>
+                <a:spcPct val="150000"/>
+              </a:lnSpc>
+              <a:spcBef>
+                <a:spcPts val="0"/>
+              </a:spcBef>
+              <a:spcAft>
+                <a:spcPts val="0"/>
+              </a:spcAft>
+              <a:buNone/>
+            </a:pPr>
+            <a:endParaRPr sz="2200" b="1" dirty="0"/>
           </a:p>
         </p:txBody>
       </p:sp>
@@ -17073,276 +17530,6 @@
 </p:sld>
 </file>
 
-<file path=ppt/slides/slide15.xml><?xml version="1.0" encoding="utf-8"?>
-<p:sld xmlns:a="http://schemas.openxmlformats.org/drawingml/2006/main" xmlns:r="http://schemas.openxmlformats.org/officeDocument/2006/relationships" xmlns:p="http://schemas.openxmlformats.org/presentationml/2006/main">
-  <p:cSld>
-    <p:spTree>
-      <p:nvGrpSpPr>
-        <p:cNvPr id="1" name="Shape 224"/>
-        <p:cNvGrpSpPr/>
-        <p:nvPr/>
-      </p:nvGrpSpPr>
-      <p:grpSpPr>
-        <a:xfrm>
-          <a:off x="0" y="0"/>
-          <a:ext cx="0" cy="0"/>
-          <a:chOff x="0" y="0"/>
-          <a:chExt cx="0" cy="0"/>
-        </a:xfrm>
-      </p:grpSpPr>
-      <p:sp>
-        <p:nvSpPr>
-          <p:cNvPr id="225" name="Google Shape;225;p33"/>
-          <p:cNvSpPr txBox="1">
-            <a:spLocks noGrp="1"/>
-          </p:cNvSpPr>
-          <p:nvPr>
-            <p:ph type="body" idx="1"/>
-          </p:nvPr>
-        </p:nvSpPr>
-        <p:spPr>
-          <a:xfrm>
-            <a:off x="790200" y="813975"/>
-            <a:ext cx="7563600" cy="4004100"/>
-          </a:xfrm>
-          <a:prstGeom prst="rect">
-            <a:avLst/>
-          </a:prstGeom>
-        </p:spPr>
-        <p:txBody>
-          <a:bodyPr spcFirstLastPara="1" wrap="square" lIns="91425" tIns="91425" rIns="91425" bIns="91425" anchor="t" anchorCtr="0">
-            <a:noAutofit/>
-          </a:bodyPr>
-          <a:lstStyle/>
-          <a:p>
-            <a:pPr marL="0" lvl="0" indent="0" algn="l" rtl="0">
-              <a:lnSpc>
-                <a:spcPct val="150000"/>
-              </a:lnSpc>
-              <a:spcBef>
-                <a:spcPts val="0"/>
-              </a:spcBef>
-              <a:spcAft>
-                <a:spcPts val="0"/>
-              </a:spcAft>
-              <a:buNone/>
-            </a:pPr>
-            <a:r>
-              <a:rPr lang="zh-TW" sz="2200"/>
-              <a:t>Git 的檔案生命週期</a:t>
-            </a:r>
-            <a:endParaRPr sz="2200"/>
-          </a:p>
-        </p:txBody>
-      </p:sp>
-      <p:sp>
-        <p:nvSpPr>
-          <p:cNvPr id="226" name="Google Shape;226;p33"/>
-          <p:cNvSpPr txBox="1">
-            <a:spLocks noGrp="1"/>
-          </p:cNvSpPr>
-          <p:nvPr>
-            <p:ph type="body" idx="2"/>
-          </p:nvPr>
-        </p:nvSpPr>
-        <p:spPr>
-          <a:xfrm>
-            <a:off x="1475650" y="151275"/>
-            <a:ext cx="3981300" cy="421200"/>
-          </a:xfrm>
-          <a:prstGeom prst="rect">
-            <a:avLst/>
-          </a:prstGeom>
-        </p:spPr>
-        <p:txBody>
-          <a:bodyPr spcFirstLastPara="1" wrap="square" lIns="91425" tIns="91425" rIns="91425" bIns="91425" anchor="ctr" anchorCtr="0">
-            <a:noAutofit/>
-          </a:bodyPr>
-          <a:lstStyle/>
-          <a:p>
-            <a:pPr marL="0" lvl="0" indent="0" algn="l" rtl="0">
-              <a:spcBef>
-                <a:spcPts val="480"/>
-              </a:spcBef>
-              <a:spcAft>
-                <a:spcPts val="0"/>
-              </a:spcAft>
-              <a:buNone/>
-            </a:pPr>
-            <a:r>
-              <a:rPr lang="zh-TW"/>
-              <a:t>Git 版本管理控制</a:t>
-            </a:r>
-            <a:endParaRPr/>
-          </a:p>
-        </p:txBody>
-      </p:sp>
-      <p:sp>
-        <p:nvSpPr>
-          <p:cNvPr id="227" name="Google Shape;227;p33"/>
-          <p:cNvSpPr txBox="1">
-            <a:spLocks noGrp="1"/>
-          </p:cNvSpPr>
-          <p:nvPr>
-            <p:ph type="body" idx="4294967295"/>
-          </p:nvPr>
-        </p:nvSpPr>
-        <p:spPr>
-          <a:xfrm>
-            <a:off x="683571" y="195475"/>
-            <a:ext cx="558000" cy="486000"/>
-          </a:xfrm>
-          <a:prstGeom prst="rect">
-            <a:avLst/>
-          </a:prstGeom>
-          <a:blipFill rotWithShape="1">
-            <a:blip r:embed="rId3">
-              <a:alphaModFix/>
-            </a:blip>
-            <a:stretch>
-              <a:fillRect/>
-            </a:stretch>
-          </a:blipFill>
-          <a:ln>
-            <a:noFill/>
-          </a:ln>
-        </p:spPr>
-        <p:txBody>
-          <a:bodyPr spcFirstLastPara="1" wrap="square" lIns="0" tIns="0" rIns="0" bIns="0" anchor="ctr" anchorCtr="0">
-            <a:noAutofit/>
-          </a:bodyPr>
-          <a:lstStyle/>
-          <a:p>
-            <a:pPr marL="0" marR="0" lvl="0" indent="0" algn="ctr" rtl="0">
-              <a:spcBef>
-                <a:spcPts val="0"/>
-              </a:spcBef>
-              <a:spcAft>
-                <a:spcPts val="0"/>
-              </a:spcAft>
-              <a:buClr>
-                <a:srgbClr val="BFCC00"/>
-              </a:buClr>
-              <a:buSzPts val="2800"/>
-              <a:buFont typeface="Arial"/>
-              <a:buNone/>
-            </a:pPr>
-            <a:r>
-              <a:rPr lang="zh-TW" sz="2800" b="0" i="0" u="none" strike="noStrike" cap="none">
-                <a:solidFill>
-                  <a:srgbClr val="BFCC00"/>
-                </a:solidFill>
-                <a:latin typeface="Calibri"/>
-                <a:ea typeface="Calibri"/>
-                <a:cs typeface="Calibri"/>
-                <a:sym typeface="Calibri"/>
-              </a:rPr>
-              <a:t>0</a:t>
-            </a:r>
-            <a:r>
-              <a:rPr lang="zh-TW" sz="2800">
-                <a:solidFill>
-                  <a:srgbClr val="BFCC00"/>
-                </a:solidFill>
-              </a:rPr>
-              <a:t>4</a:t>
-            </a:r>
-            <a:endParaRPr sz="2800" b="0" i="0" u="none" strike="noStrike" cap="none">
-              <a:solidFill>
-                <a:srgbClr val="BFCC00"/>
-              </a:solidFill>
-              <a:latin typeface="Calibri"/>
-              <a:ea typeface="Calibri"/>
-              <a:cs typeface="Calibri"/>
-              <a:sym typeface="Calibri"/>
-            </a:endParaRPr>
-          </a:p>
-        </p:txBody>
-      </p:sp>
-      <p:sp>
-        <p:nvSpPr>
-          <p:cNvPr id="228" name="Google Shape;228;p33"/>
-          <p:cNvSpPr/>
-          <p:nvPr/>
-        </p:nvSpPr>
-        <p:spPr>
-          <a:xfrm>
-            <a:off x="1501449" y="572477"/>
-            <a:ext cx="3476700" cy="34200"/>
-          </a:xfrm>
-          <a:prstGeom prst="rect">
-            <a:avLst/>
-          </a:prstGeom>
-          <a:solidFill>
-            <a:schemeClr val="lt1"/>
-          </a:solidFill>
-          <a:ln>
-            <a:noFill/>
-          </a:ln>
-        </p:spPr>
-        <p:txBody>
-          <a:bodyPr spcFirstLastPara="1" wrap="square" lIns="91425" tIns="45700" rIns="91425" bIns="45700" anchor="ctr" anchorCtr="0">
-            <a:noAutofit/>
-          </a:bodyPr>
-          <a:lstStyle/>
-          <a:p>
-            <a:pPr marL="0" marR="0" lvl="0" indent="0" algn="ctr" rtl="0">
-              <a:spcBef>
-                <a:spcPts val="0"/>
-              </a:spcBef>
-              <a:spcAft>
-                <a:spcPts val="0"/>
-              </a:spcAft>
-              <a:buNone/>
-            </a:pPr>
-            <a:endParaRPr sz="1800">
-              <a:solidFill>
-                <a:schemeClr val="dk1"/>
-              </a:solidFill>
-              <a:latin typeface="Calibri"/>
-              <a:ea typeface="Calibri"/>
-              <a:cs typeface="Calibri"/>
-              <a:sym typeface="Calibri"/>
-            </a:endParaRPr>
-          </a:p>
-        </p:txBody>
-      </p:sp>
-      <p:pic>
-        <p:nvPicPr>
-          <p:cNvPr id="229" name="Google Shape;229;p33"/>
-          <p:cNvPicPr preferRelativeResize="0"/>
-          <p:nvPr/>
-        </p:nvPicPr>
-        <p:blipFill>
-          <a:blip r:embed="rId4">
-            <a:alphaModFix/>
-          </a:blip>
-          <a:stretch>
-            <a:fillRect/>
-          </a:stretch>
-        </p:blipFill>
-        <p:spPr>
-          <a:xfrm>
-            <a:off x="762000" y="1469900"/>
-            <a:ext cx="7620000" cy="3143250"/>
-          </a:xfrm>
-          <a:prstGeom prst="rect">
-            <a:avLst/>
-          </a:prstGeom>
-          <a:noFill/>
-          <a:ln>
-            <a:noFill/>
-          </a:ln>
-        </p:spPr>
-      </p:pic>
-    </p:spTree>
-  </p:cSld>
-  <p:clrMapOvr>
-    <a:masterClrMapping/>
-  </p:clrMapOvr>
-</p:sld>
-</file>
-
 <file path=ppt/slides/slide16.xml><?xml version="1.0" encoding="utf-8"?>
 <p:sld xmlns:a="http://schemas.openxmlformats.org/drawingml/2006/main" xmlns:r="http://schemas.openxmlformats.org/officeDocument/2006/relationships" xmlns:p="http://schemas.openxmlformats.org/presentationml/2006/main">
   <p:cSld>
@@ -17372,8 +17559,8 @@
         </p:nvSpPr>
         <p:spPr>
           <a:xfrm>
-            <a:off x="809693" y="1299865"/>
-            <a:ext cx="7776300" cy="3314176"/>
+            <a:off x="809692" y="1299865"/>
+            <a:ext cx="7945425" cy="3671528"/>
           </a:xfrm>
           <a:prstGeom prst="rect">
             <a:avLst/>
@@ -17387,145 +17574,224 @@
           <a:p>
             <a:pPr marL="0" indent="0"/>
             <a:r>
-              <a:rPr lang="en-US" altLang="zh-TW" dirty="0" smtClean="0"/>
-              <a:t>[1]  </a:t>
+              <a:rPr lang="en-US" altLang="zh-TW" sz="1400" dirty="0" smtClean="0"/>
+              <a:t>[1]  Docker </a:t>
             </a:r>
             <a:r>
-              <a:rPr lang="en-US" altLang="zh-TW" dirty="0" smtClean="0"/>
-              <a:t>Docker </a:t>
-            </a:r>
-            <a:r>
-              <a:rPr lang="zh-TW" altLang="en-US" dirty="0"/>
+              <a:rPr lang="zh-TW" altLang="en-US" sz="1400" dirty="0"/>
               <a:t>基礎教學與介紹 </a:t>
             </a:r>
             <a:r>
-              <a:rPr lang="en-US" altLang="zh-TW" dirty="0" smtClean="0"/>
+              <a:rPr lang="en-US" altLang="zh-TW" sz="1400" dirty="0" smtClean="0"/>
               <a:t>101</a:t>
             </a:r>
           </a:p>
           <a:p>
             <a:pPr marL="0" indent="0"/>
             <a:r>
-              <a:rPr lang="en-US" altLang="zh-TW" dirty="0">
+              <a:rPr lang="en-US" altLang="zh-TW" sz="1400" dirty="0">
                 <a:hlinkClick r:id="rId3"/>
               </a:rPr>
               <a:t>https://</a:t>
             </a:r>
             <a:r>
-              <a:rPr lang="en-US" altLang="zh-TW" dirty="0" smtClean="0">
+              <a:rPr lang="en-US" altLang="zh-TW" sz="1400" dirty="0" smtClean="0">
                 <a:hlinkClick r:id="rId3"/>
               </a:rPr>
               <a:t>medium.com/unorthodox-paranoid/docker-tutorial-101-c3808b899ac6</a:t>
             </a:r>
-            <a:endParaRPr lang="en-US" altLang="zh-TW" dirty="0" smtClean="0"/>
+            <a:endParaRPr lang="en-US" altLang="zh-TW" sz="1400" dirty="0" smtClean="0"/>
           </a:p>
           <a:p>
             <a:pPr marL="0" indent="0"/>
-            <a:endParaRPr lang="en-US" altLang="zh-TW" dirty="0"/>
+            <a:endParaRPr lang="en-US" altLang="zh-TW" sz="1400" dirty="0"/>
           </a:p>
           <a:p>
             <a:pPr marL="0" indent="0"/>
             <a:r>
-              <a:rPr lang="en-US" altLang="zh-TW" dirty="0" smtClean="0"/>
+              <a:rPr lang="en-US" altLang="zh-TW" sz="1400" dirty="0" smtClean="0"/>
               <a:t>[2]</a:t>
             </a:r>
             <a:r>
-              <a:rPr lang="zh-TW" altLang="en-US" dirty="0"/>
+              <a:rPr lang="zh-TW" altLang="en-US" sz="1400" dirty="0"/>
               <a:t> </a:t>
             </a:r>
             <a:r>
-              <a:rPr lang="en-US" altLang="zh-TW" dirty="0"/>
+              <a:rPr lang="en-US" altLang="zh-TW" sz="1400" dirty="0"/>
               <a:t>《Docker —— </a:t>
             </a:r>
             <a:r>
-              <a:rPr lang="zh-TW" altLang="en-US" dirty="0"/>
+              <a:rPr lang="zh-TW" altLang="en-US" sz="1400" dirty="0"/>
               <a:t>從入門到實踐</a:t>
             </a:r>
             <a:r>
-              <a:rPr lang="en-US" altLang="zh-TW" dirty="0"/>
+              <a:rPr lang="en-US" altLang="zh-TW" sz="1400" dirty="0"/>
               <a:t>­》</a:t>
             </a:r>
             <a:r>
-              <a:rPr lang="zh-TW" altLang="en-US" dirty="0"/>
+              <a:rPr lang="zh-TW" altLang="en-US" sz="1400" dirty="0"/>
               <a:t>正體</a:t>
             </a:r>
             <a:r>
-              <a:rPr lang="zh-TW" altLang="en-US" dirty="0" smtClean="0"/>
+              <a:rPr lang="zh-TW" altLang="en-US" sz="1400" dirty="0" smtClean="0"/>
               <a:t>中文版</a:t>
             </a:r>
-            <a:endParaRPr lang="en-US" altLang="zh-TW" dirty="0"/>
+            <a:endParaRPr lang="en-US" altLang="zh-TW" sz="1400" dirty="0"/>
           </a:p>
           <a:p>
             <a:pPr marL="0" indent="0"/>
             <a:r>
-              <a:rPr lang="en-US" altLang="zh-TW" dirty="0">
+              <a:rPr lang="en-US" altLang="zh-TW" sz="1400" dirty="0">
                 <a:hlinkClick r:id="rId4"/>
               </a:rPr>
               <a:t>https://philipzheng.gitbook.io/docker_practice</a:t>
             </a:r>
             <a:r>
-              <a:rPr lang="en-US" altLang="zh-TW" dirty="0" smtClean="0">
+              <a:rPr lang="en-US" altLang="zh-TW" sz="1400" dirty="0" smtClean="0">
                 <a:hlinkClick r:id="rId4"/>
               </a:rPr>
               <a:t>/</a:t>
             </a:r>
-            <a:endParaRPr lang="en-US" altLang="zh-TW" dirty="0" smtClean="0"/>
+            <a:endParaRPr lang="en-US" altLang="zh-TW" sz="1400" dirty="0" smtClean="0"/>
           </a:p>
           <a:p>
             <a:pPr marL="0" indent="0"/>
-            <a:endParaRPr lang="en-US" altLang="zh-TW" dirty="0" smtClean="0"/>
+            <a:endParaRPr lang="en-US" altLang="zh-TW" sz="1400" dirty="0" smtClean="0"/>
           </a:p>
           <a:p>
             <a:pPr marL="0" indent="0"/>
             <a:r>
-              <a:rPr lang="en-US" altLang="zh-TW" dirty="0" smtClean="0"/>
+              <a:rPr lang="en-US" altLang="zh-TW" sz="1400" dirty="0" smtClean="0"/>
               <a:t>[3] </a:t>
             </a:r>
             <a:r>
-              <a:rPr lang="zh-TW" altLang="en-US" dirty="0" smtClean="0"/>
+              <a:rPr lang="zh-TW" altLang="en-US" sz="1400" dirty="0" smtClean="0"/>
               <a:t>使用</a:t>
             </a:r>
             <a:r>
-              <a:rPr lang="en-US" altLang="zh-TW" dirty="0" err="1"/>
+              <a:rPr lang="en-US" altLang="zh-TW" sz="1400" dirty="0" err="1"/>
               <a:t>docker</a:t>
             </a:r>
             <a:r>
-              <a:rPr lang="en-US" altLang="zh-TW" dirty="0"/>
+              <a:rPr lang="en-US" altLang="zh-TW" sz="1400" dirty="0"/>
               <a:t>-compose</a:t>
             </a:r>
             <a:r>
-              <a:rPr lang="zh-TW" altLang="en-US" dirty="0"/>
+              <a:rPr lang="zh-TW" altLang="en-US" sz="1400" dirty="0"/>
               <a:t>構造</a:t>
             </a:r>
             <a:r>
-              <a:rPr lang="en-US" altLang="zh-TW" dirty="0"/>
+              <a:rPr lang="en-US" altLang="zh-TW" sz="1400" dirty="0"/>
               <a:t>LAMP</a:t>
             </a:r>
             <a:r>
-              <a:rPr lang="zh-TW" altLang="en-US" dirty="0" smtClean="0"/>
+              <a:rPr lang="zh-TW" altLang="en-US" sz="1400" dirty="0" smtClean="0"/>
               <a:t>環境</a:t>
             </a:r>
-            <a:endParaRPr lang="en-US" altLang="zh-TW" dirty="0" smtClean="0"/>
+            <a:endParaRPr lang="en-US" altLang="zh-TW" sz="1400" dirty="0" smtClean="0"/>
           </a:p>
           <a:p>
             <a:pPr marL="0" indent="0"/>
             <a:r>
-              <a:rPr lang="en-US" altLang="zh-TW" dirty="0">
+              <a:rPr lang="en-US" altLang="zh-TW" sz="1400" dirty="0">
                 <a:hlinkClick r:id="rId5"/>
               </a:rPr>
               <a:t>https://</a:t>
             </a:r>
             <a:r>
-              <a:rPr lang="en-US" altLang="zh-TW" dirty="0" smtClean="0">
+              <a:rPr lang="en-US" altLang="zh-TW" sz="1400" dirty="0" smtClean="0">
                 <a:hlinkClick r:id="rId5"/>
               </a:rPr>
               <a:t>www.itread01.com/xxell.html</a:t>
             </a:r>
-            <a:endParaRPr lang="en-US" altLang="zh-TW" dirty="0"/>
+            <a:endParaRPr lang="en-US" altLang="zh-TW" sz="1400" dirty="0" smtClean="0"/>
           </a:p>
           <a:p>
             <a:pPr marL="0" indent="0"/>
-            <a:endParaRPr lang="en-US" altLang="zh-TW" dirty="0" smtClean="0"/>
+            <a:endParaRPr lang="en-US" altLang="zh-TW" sz="1400" dirty="0"/>
+          </a:p>
+          <a:p>
+            <a:pPr marL="0" indent="0"/>
+            <a:r>
+              <a:rPr lang="en-US" altLang="zh-TW" sz="1400" dirty="0"/>
+              <a:t>[4] 30 </a:t>
+            </a:r>
+            <a:r>
+              <a:rPr lang="zh-TW" altLang="en-US" sz="1400" dirty="0"/>
+              <a:t>天精通 </a:t>
+            </a:r>
+            <a:r>
+              <a:rPr lang="en-US" altLang="zh-TW" sz="1400" dirty="0" err="1"/>
+              <a:t>Git</a:t>
+            </a:r>
+            <a:r>
+              <a:rPr lang="en-US" altLang="zh-TW" sz="1400" dirty="0"/>
+              <a:t> </a:t>
+            </a:r>
+            <a:r>
+              <a:rPr lang="zh-TW" altLang="en-US" sz="1400" dirty="0"/>
+              <a:t>版本控管</a:t>
+            </a:r>
+            <a:endParaRPr lang="en-US" altLang="zh-TW" sz="1400" dirty="0"/>
+          </a:p>
+          <a:p>
+            <a:pPr marL="0" indent="0"/>
+            <a:r>
+              <a:rPr lang="en-US" altLang="zh-TW" sz="1400" dirty="0">
+                <a:hlinkClick r:id="rId6"/>
+              </a:rPr>
+              <a:t>https://</a:t>
+            </a:r>
+            <a:r>
+              <a:rPr lang="en-US" altLang="zh-TW" sz="1400" dirty="0" smtClean="0">
+                <a:hlinkClick r:id="rId6"/>
+              </a:rPr>
+              <a:t>github.com/doggy8088/Learn-Git-in-30-days</a:t>
+            </a:r>
+            <a:endParaRPr lang="en-US" altLang="zh-TW" sz="1400" dirty="0" smtClean="0"/>
+          </a:p>
+          <a:p>
+            <a:pPr marL="0" indent="0"/>
+            <a:endParaRPr lang="en-US" altLang="zh-TW" sz="1400" dirty="0" smtClean="0"/>
+          </a:p>
+          <a:p>
+            <a:pPr marL="0" indent="0"/>
+            <a:r>
+              <a:rPr lang="en-US" altLang="zh-TW" sz="1400" dirty="0" smtClean="0"/>
+              <a:t>[5] </a:t>
+            </a:r>
+            <a:r>
+              <a:rPr lang="en-US" altLang="zh-TW" sz="1400" dirty="0" err="1"/>
+              <a:t>Git</a:t>
+            </a:r>
+            <a:r>
+              <a:rPr lang="en-US" altLang="zh-TW" sz="1400" dirty="0"/>
+              <a:t> </a:t>
+            </a:r>
+            <a:r>
+              <a:rPr lang="zh-TW" altLang="en-US" sz="1400" dirty="0"/>
+              <a:t>的簡史</a:t>
+            </a:r>
+          </a:p>
+          <a:p>
+            <a:pPr marL="0" indent="0"/>
+            <a:r>
+              <a:rPr lang="en-US" altLang="zh-TW" sz="1400" dirty="0">
+                <a:hlinkClick r:id="rId7"/>
+              </a:rPr>
+              <a:t>https://git-scm.com/book/zh-tw/v2/%E9%96%8B%E5%A7%8B-Git-%</a:t>
+            </a:r>
+            <a:r>
+              <a:rPr lang="en-US" altLang="zh-TW" sz="1400" dirty="0" smtClean="0">
+                <a:hlinkClick r:id="rId7"/>
+              </a:rPr>
+              <a:t>E7%9A%84%E7%B0%A1%E5%8F%B2</a:t>
+            </a:r>
+            <a:endParaRPr lang="en-US" altLang="zh-TW" sz="1400" dirty="0" smtClean="0"/>
+          </a:p>
+          <a:p>
+            <a:pPr marL="0" indent="0"/>
+            <a:endParaRPr lang="zh-TW" altLang="en-US" sz="1600" dirty="0"/>
           </a:p>
         </p:txBody>
       </p:sp>
